--- a/zkdoc/CDG5/_internal_/Draws.pptx
+++ b/zkdoc/CDG5/_internal_/Draws.pptx
@@ -4,12 +4,16 @@
   <p:sldMasterIdLst>
     <p:sldMasterId id="2147483648" r:id="rId1"/>
   </p:sldMasterIdLst>
+  <p:notesMasterIdLst>
+    <p:notesMasterId r:id="rId8"/>
+  </p:notesMasterIdLst>
   <p:sldIdLst>
     <p:sldId id="257" r:id="rId2"/>
     <p:sldId id="261" r:id="rId3"/>
     <p:sldId id="259" r:id="rId4"/>
     <p:sldId id="260" r:id="rId5"/>
-    <p:sldId id="258" r:id="rId6"/>
+    <p:sldId id="262" r:id="rId6"/>
+    <p:sldId id="258" r:id="rId7"/>
   </p:sldIdLst>
   <p:sldSz cx="9144000" cy="6858000" type="screen4x3"/>
   <p:notesSz cx="6858000" cy="9144000"/>
@@ -111,6 +115,434 @@
 </p:presentation>
 </file>
 
+<file path=ppt/notesMasters/notesMaster1.xml><?xml version="1.0" encoding="utf-8"?>
+<p:notesMaster xmlns:a="http://schemas.openxmlformats.org/drawingml/2006/main" xmlns:r="http://schemas.openxmlformats.org/officeDocument/2006/relationships" xmlns:p="http://schemas.openxmlformats.org/presentationml/2006/main">
+  <p:cSld>
+    <p:bg>
+      <p:bgRef idx="1001">
+        <a:schemeClr val="bg1"/>
+      </p:bgRef>
+    </p:bg>
+    <p:spTree>
+      <p:nvGrpSpPr>
+        <p:cNvPr id="1" name=""/>
+        <p:cNvGrpSpPr/>
+        <p:nvPr/>
+      </p:nvGrpSpPr>
+      <p:grpSpPr>
+        <a:xfrm>
+          <a:off x="0" y="0"/>
+          <a:ext cx="0" cy="0"/>
+          <a:chOff x="0" y="0"/>
+          <a:chExt cx="0" cy="0"/>
+        </a:xfrm>
+      </p:grpSpPr>
+      <p:sp>
+        <p:nvSpPr>
+          <p:cNvPr id="2" name="Header Placeholder 1"/>
+          <p:cNvSpPr>
+            <a:spLocks noGrp="1"/>
+          </p:cNvSpPr>
+          <p:nvPr>
+            <p:ph type="hdr" sz="quarter"/>
+          </p:nvPr>
+        </p:nvSpPr>
+        <p:spPr>
+          <a:xfrm>
+            <a:off x="0" y="0"/>
+            <a:ext cx="2971800" cy="457200"/>
+          </a:xfrm>
+          <a:prstGeom prst="rect">
+            <a:avLst/>
+          </a:prstGeom>
+        </p:spPr>
+        <p:txBody>
+          <a:bodyPr vert="horz" lIns="91440" tIns="45720" rIns="91440" bIns="45720" rtlCol="0"/>
+          <a:lstStyle>
+            <a:lvl1pPr algn="l">
+              <a:defRPr sz="1200"/>
+            </a:lvl1pPr>
+          </a:lstStyle>
+          <a:p>
+            <a:endParaRPr lang="en-US"/>
+          </a:p>
+        </p:txBody>
+      </p:sp>
+      <p:sp>
+        <p:nvSpPr>
+          <p:cNvPr id="3" name="Date Placeholder 2"/>
+          <p:cNvSpPr>
+            <a:spLocks noGrp="1"/>
+          </p:cNvSpPr>
+          <p:nvPr>
+            <p:ph type="dt" idx="1"/>
+          </p:nvPr>
+        </p:nvSpPr>
+        <p:spPr>
+          <a:xfrm>
+            <a:off x="3884613" y="0"/>
+            <a:ext cx="2971800" cy="457200"/>
+          </a:xfrm>
+          <a:prstGeom prst="rect">
+            <a:avLst/>
+          </a:prstGeom>
+        </p:spPr>
+        <p:txBody>
+          <a:bodyPr vert="horz" lIns="91440" tIns="45720" rIns="91440" bIns="45720" rtlCol="0"/>
+          <a:lstStyle>
+            <a:lvl1pPr algn="r">
+              <a:defRPr sz="1200"/>
+            </a:lvl1pPr>
+          </a:lstStyle>
+          <a:p>
+            <a:fld id="{BBD84E8D-CE8D-4094-B412-18E8D5970C55}" type="datetimeFigureOut">
+              <a:rPr lang="en-US" smtClean="0"/>
+              <a:t>12/5/2008</a:t>
+            </a:fld>
+            <a:endParaRPr lang="en-US"/>
+          </a:p>
+        </p:txBody>
+      </p:sp>
+      <p:sp>
+        <p:nvSpPr>
+          <p:cNvPr id="4" name="Slide Image Placeholder 3"/>
+          <p:cNvSpPr>
+            <a:spLocks noGrp="1" noRot="1" noChangeAspect="1"/>
+          </p:cNvSpPr>
+          <p:nvPr>
+            <p:ph type="sldImg" idx="2"/>
+          </p:nvPr>
+        </p:nvSpPr>
+        <p:spPr>
+          <a:xfrm>
+            <a:off x="1143000" y="685800"/>
+            <a:ext cx="4572000" cy="3429000"/>
+          </a:xfrm>
+          <a:prstGeom prst="rect">
+            <a:avLst/>
+          </a:prstGeom>
+          <a:noFill/>
+          <a:ln w="12700">
+            <a:solidFill>
+              <a:prstClr val="black"/>
+            </a:solidFill>
+          </a:ln>
+        </p:spPr>
+        <p:txBody>
+          <a:bodyPr vert="horz" lIns="91440" tIns="45720" rIns="91440" bIns="45720" rtlCol="0" anchor="ctr"/>
+          <a:lstStyle/>
+          <a:p>
+            <a:endParaRPr lang="en-US"/>
+          </a:p>
+        </p:txBody>
+      </p:sp>
+      <p:sp>
+        <p:nvSpPr>
+          <p:cNvPr id="5" name="Notes Placeholder 4"/>
+          <p:cNvSpPr>
+            <a:spLocks noGrp="1"/>
+          </p:cNvSpPr>
+          <p:nvPr>
+            <p:ph type="body" sz="quarter" idx="3"/>
+          </p:nvPr>
+        </p:nvSpPr>
+        <p:spPr>
+          <a:xfrm>
+            <a:off x="685800" y="4343400"/>
+            <a:ext cx="5486400" cy="4114800"/>
+          </a:xfrm>
+          <a:prstGeom prst="rect">
+            <a:avLst/>
+          </a:prstGeom>
+        </p:spPr>
+        <p:txBody>
+          <a:bodyPr vert="horz" lIns="91440" tIns="45720" rIns="91440" bIns="45720" rtlCol="0">
+            <a:normAutofit/>
+          </a:bodyPr>
+          <a:lstStyle/>
+          <a:p>
+            <a:pPr lvl="0"/>
+            <a:r>
+              <a:rPr lang="en-US" smtClean="0"/>
+              <a:t>Click to edit Master text styles</a:t>
+            </a:r>
+          </a:p>
+          <a:p>
+            <a:pPr lvl="1"/>
+            <a:r>
+              <a:rPr lang="en-US" smtClean="0"/>
+              <a:t>Second level</a:t>
+            </a:r>
+          </a:p>
+          <a:p>
+            <a:pPr lvl="2"/>
+            <a:r>
+              <a:rPr lang="en-US" smtClean="0"/>
+              <a:t>Third level</a:t>
+            </a:r>
+          </a:p>
+          <a:p>
+            <a:pPr lvl="3"/>
+            <a:r>
+              <a:rPr lang="en-US" smtClean="0"/>
+              <a:t>Fourth level</a:t>
+            </a:r>
+          </a:p>
+          <a:p>
+            <a:pPr lvl="4"/>
+            <a:r>
+              <a:rPr lang="en-US" smtClean="0"/>
+              <a:t>Fifth level</a:t>
+            </a:r>
+            <a:endParaRPr lang="en-US"/>
+          </a:p>
+        </p:txBody>
+      </p:sp>
+      <p:sp>
+        <p:nvSpPr>
+          <p:cNvPr id="6" name="Footer Placeholder 5"/>
+          <p:cNvSpPr>
+            <a:spLocks noGrp="1"/>
+          </p:cNvSpPr>
+          <p:nvPr>
+            <p:ph type="ftr" sz="quarter" idx="4"/>
+          </p:nvPr>
+        </p:nvSpPr>
+        <p:spPr>
+          <a:xfrm>
+            <a:off x="0" y="8685213"/>
+            <a:ext cx="2971800" cy="457200"/>
+          </a:xfrm>
+          <a:prstGeom prst="rect">
+            <a:avLst/>
+          </a:prstGeom>
+        </p:spPr>
+        <p:txBody>
+          <a:bodyPr vert="horz" lIns="91440" tIns="45720" rIns="91440" bIns="45720" rtlCol="0" anchor="b"/>
+          <a:lstStyle>
+            <a:lvl1pPr algn="l">
+              <a:defRPr sz="1200"/>
+            </a:lvl1pPr>
+          </a:lstStyle>
+          <a:p>
+            <a:endParaRPr lang="en-US"/>
+          </a:p>
+        </p:txBody>
+      </p:sp>
+      <p:sp>
+        <p:nvSpPr>
+          <p:cNvPr id="7" name="Slide Number Placeholder 6"/>
+          <p:cNvSpPr>
+            <a:spLocks noGrp="1"/>
+          </p:cNvSpPr>
+          <p:nvPr>
+            <p:ph type="sldNum" sz="quarter" idx="5"/>
+          </p:nvPr>
+        </p:nvSpPr>
+        <p:spPr>
+          <a:xfrm>
+            <a:off x="3884613" y="8685213"/>
+            <a:ext cx="2971800" cy="457200"/>
+          </a:xfrm>
+          <a:prstGeom prst="rect">
+            <a:avLst/>
+          </a:prstGeom>
+        </p:spPr>
+        <p:txBody>
+          <a:bodyPr vert="horz" lIns="91440" tIns="45720" rIns="91440" bIns="45720" rtlCol="0" anchor="b"/>
+          <a:lstStyle>
+            <a:lvl1pPr algn="r">
+              <a:defRPr sz="1200"/>
+            </a:lvl1pPr>
+          </a:lstStyle>
+          <a:p>
+            <a:fld id="{76C97D0C-411B-4EC6-AB74-584C8475A0B0}" type="slidenum">
+              <a:rPr lang="en-US" smtClean="0"/>
+              <a:t>‹#›</a:t>
+            </a:fld>
+            <a:endParaRPr lang="en-US"/>
+          </a:p>
+        </p:txBody>
+      </p:sp>
+    </p:spTree>
+  </p:cSld>
+  <p:clrMap bg1="lt1" tx1="dk1" bg2="lt2" tx2="dk2" accent1="accent1" accent2="accent2" accent3="accent3" accent4="accent4" accent5="accent5" accent6="accent6" hlink="hlink" folHlink="folHlink"/>
+  <p:notesStyle>
+    <a:lvl1pPr marL="0" algn="l" defTabSz="914400" rtl="0" eaLnBrk="1" latinLnBrk="0" hangingPunct="1">
+      <a:defRPr sz="1200" kern="1200">
+        <a:solidFill>
+          <a:schemeClr val="tx1"/>
+        </a:solidFill>
+        <a:latin typeface="+mn-lt"/>
+        <a:ea typeface="+mn-ea"/>
+        <a:cs typeface="+mn-cs"/>
+      </a:defRPr>
+    </a:lvl1pPr>
+    <a:lvl2pPr marL="457200" algn="l" defTabSz="914400" rtl="0" eaLnBrk="1" latinLnBrk="0" hangingPunct="1">
+      <a:defRPr sz="1200" kern="1200">
+        <a:solidFill>
+          <a:schemeClr val="tx1"/>
+        </a:solidFill>
+        <a:latin typeface="+mn-lt"/>
+        <a:ea typeface="+mn-ea"/>
+        <a:cs typeface="+mn-cs"/>
+      </a:defRPr>
+    </a:lvl2pPr>
+    <a:lvl3pPr marL="914400" algn="l" defTabSz="914400" rtl="0" eaLnBrk="1" latinLnBrk="0" hangingPunct="1">
+      <a:defRPr sz="1200" kern="1200">
+        <a:solidFill>
+          <a:schemeClr val="tx1"/>
+        </a:solidFill>
+        <a:latin typeface="+mn-lt"/>
+        <a:ea typeface="+mn-ea"/>
+        <a:cs typeface="+mn-cs"/>
+      </a:defRPr>
+    </a:lvl3pPr>
+    <a:lvl4pPr marL="1371600" algn="l" defTabSz="914400" rtl="0" eaLnBrk="1" latinLnBrk="0" hangingPunct="1">
+      <a:defRPr sz="1200" kern="1200">
+        <a:solidFill>
+          <a:schemeClr val="tx1"/>
+        </a:solidFill>
+        <a:latin typeface="+mn-lt"/>
+        <a:ea typeface="+mn-ea"/>
+        <a:cs typeface="+mn-cs"/>
+      </a:defRPr>
+    </a:lvl4pPr>
+    <a:lvl5pPr marL="1828800" algn="l" defTabSz="914400" rtl="0" eaLnBrk="1" latinLnBrk="0" hangingPunct="1">
+      <a:defRPr sz="1200" kern="1200">
+        <a:solidFill>
+          <a:schemeClr val="tx1"/>
+        </a:solidFill>
+        <a:latin typeface="+mn-lt"/>
+        <a:ea typeface="+mn-ea"/>
+        <a:cs typeface="+mn-cs"/>
+      </a:defRPr>
+    </a:lvl5pPr>
+    <a:lvl6pPr marL="2286000" algn="l" defTabSz="914400" rtl="0" eaLnBrk="1" latinLnBrk="0" hangingPunct="1">
+      <a:defRPr sz="1200" kern="1200">
+        <a:solidFill>
+          <a:schemeClr val="tx1"/>
+        </a:solidFill>
+        <a:latin typeface="+mn-lt"/>
+        <a:ea typeface="+mn-ea"/>
+        <a:cs typeface="+mn-cs"/>
+      </a:defRPr>
+    </a:lvl6pPr>
+    <a:lvl7pPr marL="2743200" algn="l" defTabSz="914400" rtl="0" eaLnBrk="1" latinLnBrk="0" hangingPunct="1">
+      <a:defRPr sz="1200" kern="1200">
+        <a:solidFill>
+          <a:schemeClr val="tx1"/>
+        </a:solidFill>
+        <a:latin typeface="+mn-lt"/>
+        <a:ea typeface="+mn-ea"/>
+        <a:cs typeface="+mn-cs"/>
+      </a:defRPr>
+    </a:lvl7pPr>
+    <a:lvl8pPr marL="3200400" algn="l" defTabSz="914400" rtl="0" eaLnBrk="1" latinLnBrk="0" hangingPunct="1">
+      <a:defRPr sz="1200" kern="1200">
+        <a:solidFill>
+          <a:schemeClr val="tx1"/>
+        </a:solidFill>
+        <a:latin typeface="+mn-lt"/>
+        <a:ea typeface="+mn-ea"/>
+        <a:cs typeface="+mn-cs"/>
+      </a:defRPr>
+    </a:lvl8pPr>
+    <a:lvl9pPr marL="3657600" algn="l" defTabSz="914400" rtl="0" eaLnBrk="1" latinLnBrk="0" hangingPunct="1">
+      <a:defRPr sz="1200" kern="1200">
+        <a:solidFill>
+          <a:schemeClr val="tx1"/>
+        </a:solidFill>
+        <a:latin typeface="+mn-lt"/>
+        <a:ea typeface="+mn-ea"/>
+        <a:cs typeface="+mn-cs"/>
+      </a:defRPr>
+    </a:lvl9pPr>
+  </p:notesStyle>
+</p:notesMaster>
+</file>
+
+<file path=ppt/notesSlides/notesSlide1.xml><?xml version="1.0" encoding="utf-8"?>
+<p:notes xmlns:a="http://schemas.openxmlformats.org/drawingml/2006/main" xmlns:r="http://schemas.openxmlformats.org/officeDocument/2006/relationships" xmlns:p="http://schemas.openxmlformats.org/presentationml/2006/main">
+  <p:cSld>
+    <p:spTree>
+      <p:nvGrpSpPr>
+        <p:cNvPr id="1" name=""/>
+        <p:cNvGrpSpPr/>
+        <p:nvPr/>
+      </p:nvGrpSpPr>
+      <p:grpSpPr>
+        <a:xfrm>
+          <a:off x="0" y="0"/>
+          <a:ext cx="0" cy="0"/>
+          <a:chOff x="0" y="0"/>
+          <a:chExt cx="0" cy="0"/>
+        </a:xfrm>
+      </p:grpSpPr>
+      <p:sp>
+        <p:nvSpPr>
+          <p:cNvPr id="2" name="Slide Image Placeholder 1"/>
+          <p:cNvSpPr>
+            <a:spLocks noGrp="1" noRot="1" noChangeAspect="1"/>
+          </p:cNvSpPr>
+          <p:nvPr>
+            <p:ph type="sldImg"/>
+          </p:nvPr>
+        </p:nvSpPr>
+        <p:spPr/>
+      </p:sp>
+      <p:sp>
+        <p:nvSpPr>
+          <p:cNvPr id="3" name="Notes Placeholder 2"/>
+          <p:cNvSpPr>
+            <a:spLocks noGrp="1"/>
+          </p:cNvSpPr>
+          <p:nvPr>
+            <p:ph type="body" idx="1"/>
+          </p:nvPr>
+        </p:nvSpPr>
+        <p:spPr/>
+        <p:txBody>
+          <a:bodyPr>
+            <a:normAutofit/>
+          </a:bodyPr>
+          <a:lstStyle/>
+          <a:p>
+            <a:endParaRPr lang="en-US"/>
+          </a:p>
+        </p:txBody>
+      </p:sp>
+      <p:sp>
+        <p:nvSpPr>
+          <p:cNvPr id="4" name="Slide Number Placeholder 3"/>
+          <p:cNvSpPr>
+            <a:spLocks noGrp="1"/>
+          </p:cNvSpPr>
+          <p:nvPr>
+            <p:ph type="sldNum" sz="quarter" idx="10"/>
+          </p:nvPr>
+        </p:nvSpPr>
+        <p:spPr/>
+        <p:txBody>
+          <a:bodyPr/>
+          <a:lstStyle/>
+          <a:p>
+            <a:fld id="{76C97D0C-411B-4EC6-AB74-584C8475A0B0}" type="slidenum">
+              <a:rPr lang="en-US" smtClean="0"/>
+              <a:t>5</a:t>
+            </a:fld>
+            <a:endParaRPr lang="en-US"/>
+          </a:p>
+        </p:txBody>
+      </p:sp>
+    </p:spTree>
+  </p:cSld>
+  <p:clrMapOvr>
+    <a:masterClrMapping/>
+  </p:clrMapOvr>
+</p:notes>
+</file>
+
 <file path=ppt/slideLayouts/slideLayout1.xml><?xml version="1.0" encoding="utf-8"?>
 <p:sldLayout xmlns:a="http://schemas.openxmlformats.org/drawingml/2006/main" xmlns:r="http://schemas.openxmlformats.org/officeDocument/2006/relationships" xmlns:p="http://schemas.openxmlformats.org/presentationml/2006/main" type="title" preserve="1">
   <p:cSld name="Title Slide">
@@ -293,7 +725,7 @@
             <a:fld id="{2A6A712F-E8E2-420C-9DD1-0F3C2D9B5365}" type="datetimeFigureOut">
               <a:rPr lang="en-US" smtClean="0"/>
               <a:pPr/>
-              <a:t>12/2/2008</a:t>
+              <a:t>12/4/2008</a:t>
             </a:fld>
             <a:endParaRPr lang="en-US"/>
           </a:p>
@@ -460,7 +892,7 @@
             <a:fld id="{2A6A712F-E8E2-420C-9DD1-0F3C2D9B5365}" type="datetimeFigureOut">
               <a:rPr lang="en-US" smtClean="0"/>
               <a:pPr/>
-              <a:t>12/2/2008</a:t>
+              <a:t>12/4/2008</a:t>
             </a:fld>
             <a:endParaRPr lang="en-US"/>
           </a:p>
@@ -637,7 +1069,7 @@
             <a:fld id="{2A6A712F-E8E2-420C-9DD1-0F3C2D9B5365}" type="datetimeFigureOut">
               <a:rPr lang="en-US" smtClean="0"/>
               <a:pPr/>
-              <a:t>12/2/2008</a:t>
+              <a:t>12/4/2008</a:t>
             </a:fld>
             <a:endParaRPr lang="en-US"/>
           </a:p>
@@ -804,7 +1236,7 @@
             <a:fld id="{2A6A712F-E8E2-420C-9DD1-0F3C2D9B5365}" type="datetimeFigureOut">
               <a:rPr lang="en-US" smtClean="0"/>
               <a:pPr/>
-              <a:t>12/2/2008</a:t>
+              <a:t>12/4/2008</a:t>
             </a:fld>
             <a:endParaRPr lang="en-US"/>
           </a:p>
@@ -1047,7 +1479,7 @@
             <a:fld id="{2A6A712F-E8E2-420C-9DD1-0F3C2D9B5365}" type="datetimeFigureOut">
               <a:rPr lang="en-US" smtClean="0"/>
               <a:pPr/>
-              <a:t>12/2/2008</a:t>
+              <a:t>12/4/2008</a:t>
             </a:fld>
             <a:endParaRPr lang="en-US"/>
           </a:p>
@@ -1332,7 +1764,7 @@
             <a:fld id="{2A6A712F-E8E2-420C-9DD1-0F3C2D9B5365}" type="datetimeFigureOut">
               <a:rPr lang="en-US" smtClean="0"/>
               <a:pPr/>
-              <a:t>12/2/2008</a:t>
+              <a:t>12/4/2008</a:t>
             </a:fld>
             <a:endParaRPr lang="en-US"/>
           </a:p>
@@ -1751,7 +2183,7 @@
             <a:fld id="{2A6A712F-E8E2-420C-9DD1-0F3C2D9B5365}" type="datetimeFigureOut">
               <a:rPr lang="en-US" smtClean="0"/>
               <a:pPr/>
-              <a:t>12/2/2008</a:t>
+              <a:t>12/4/2008</a:t>
             </a:fld>
             <a:endParaRPr lang="en-US"/>
           </a:p>
@@ -1866,7 +2298,7 @@
             <a:fld id="{2A6A712F-E8E2-420C-9DD1-0F3C2D9B5365}" type="datetimeFigureOut">
               <a:rPr lang="en-US" smtClean="0"/>
               <a:pPr/>
-              <a:t>12/2/2008</a:t>
+              <a:t>12/4/2008</a:t>
             </a:fld>
             <a:endParaRPr lang="en-US"/>
           </a:p>
@@ -1958,7 +2390,7 @@
             <a:fld id="{2A6A712F-E8E2-420C-9DD1-0F3C2D9B5365}" type="datetimeFigureOut">
               <a:rPr lang="en-US" smtClean="0"/>
               <a:pPr/>
-              <a:t>12/2/2008</a:t>
+              <a:t>12/4/2008</a:t>
             </a:fld>
             <a:endParaRPr lang="en-US"/>
           </a:p>
@@ -2232,7 +2664,7 @@
             <a:fld id="{2A6A712F-E8E2-420C-9DD1-0F3C2D9B5365}" type="datetimeFigureOut">
               <a:rPr lang="en-US" smtClean="0"/>
               <a:pPr/>
-              <a:t>12/2/2008</a:t>
+              <a:t>12/4/2008</a:t>
             </a:fld>
             <a:endParaRPr lang="en-US"/>
           </a:p>
@@ -2482,7 +2914,7 @@
             <a:fld id="{2A6A712F-E8E2-420C-9DD1-0F3C2D9B5365}" type="datetimeFigureOut">
               <a:rPr lang="en-US" smtClean="0"/>
               <a:pPr/>
-              <a:t>12/2/2008</a:t>
+              <a:t>12/4/2008</a:t>
             </a:fld>
             <a:endParaRPr lang="en-US"/>
           </a:p>
@@ -2692,7 +3124,7 @@
             <a:fld id="{2A6A712F-E8E2-420C-9DD1-0F3C2D9B5365}" type="datetimeFigureOut">
               <a:rPr lang="en-US" smtClean="0"/>
               <a:pPr/>
-              <a:t>12/2/2008</a:t>
+              <a:t>12/4/2008</a:t>
             </a:fld>
             <a:endParaRPr lang="en-US"/>
           </a:p>
@@ -4796,17 +5228,6 @@
               </a:rPr>
               <a:t>(‘new’)</a:t>
             </a:r>
-            <a:endParaRPr kumimoji="1" lang="en-US" sz="1600" b="0" i="0" u="none" strike="noStrike" cap="none" normalizeH="0" baseline="0" dirty="0" smtClean="0">
-              <a:ln>
-                <a:noFill/>
-              </a:ln>
-              <a:solidFill>
-                <a:schemeClr val="tx1"/>
-              </a:solidFill>
-              <a:effectLst/>
-              <a:latin typeface="Lucida Console" pitchFamily="49" charset="0"/>
-              <a:ea typeface="華康細圓體(P)" pitchFamily="34" charset="-120"/>
-            </a:endParaRPr>
           </a:p>
         </p:txBody>
       </p:sp>
@@ -4888,9 +5309,6 @@
               </a:rPr>
               <a:t>(“new”);</a:t>
             </a:r>
-            <a:endParaRPr lang="en-US" sz="1600" dirty="0" smtClean="0">
-              <a:latin typeface="Lucida Console" pitchFamily="49" charset="0"/>
-            </a:endParaRPr>
           </a:p>
         </p:txBody>
       </p:sp>
@@ -8225,15 +8643,7 @@
           <a:p>
             <a:r>
               <a:rPr lang="en-US" dirty="0" smtClean="0"/>
-              <a:t>Widget </a:t>
-            </a:r>
-            <a:r>
-              <a:rPr lang="en-US" dirty="0" smtClean="0"/>
-              <a:t>withou</a:t>
-            </a:r>
-            <a:r>
-              <a:rPr lang="en-US" dirty="0" smtClean="0"/>
-              <a:t>t Component</a:t>
+              <a:t>Widget without Component</a:t>
             </a:r>
             <a:endParaRPr lang="en-US" dirty="0"/>
           </a:p>
@@ -10814,6 +11224,812 @@
 </file>
 
 <file path=ppt/slides/slide5.xml><?xml version="1.0" encoding="utf-8"?>
+<p:sld xmlns:a="http://schemas.openxmlformats.org/drawingml/2006/main" xmlns:r="http://schemas.openxmlformats.org/officeDocument/2006/relationships" xmlns:p="http://schemas.openxmlformats.org/presentationml/2006/main">
+  <p:cSld>
+    <p:spTree>
+      <p:nvGrpSpPr>
+        <p:cNvPr id="1" name=""/>
+        <p:cNvGrpSpPr/>
+        <p:nvPr/>
+      </p:nvGrpSpPr>
+      <p:grpSpPr>
+        <a:xfrm>
+          <a:off x="0" y="0"/>
+          <a:ext cx="0" cy="0"/>
+          <a:chOff x="0" y="0"/>
+          <a:chExt cx="0" cy="0"/>
+        </a:xfrm>
+      </p:grpSpPr>
+      <p:sp>
+        <p:nvSpPr>
+          <p:cNvPr id="39" name="Rounded Rectangle 38"/>
+          <p:cNvSpPr/>
+          <p:nvPr/>
+        </p:nvSpPr>
+        <p:spPr>
+          <a:xfrm>
+            <a:off x="5791200" y="2209800"/>
+            <a:ext cx="2133600" cy="1981200"/>
+          </a:xfrm>
+          <a:prstGeom prst="roundRect">
+            <a:avLst/>
+          </a:prstGeom>
+          <a:solidFill>
+            <a:schemeClr val="accent3">
+              <a:lumMod val="20000"/>
+              <a:lumOff val="80000"/>
+            </a:schemeClr>
+          </a:solidFill>
+          <a:ln>
+            <a:noFill/>
+          </a:ln>
+          <a:scene3d>
+            <a:camera prst="orthographicFront"/>
+            <a:lightRig rig="threePt" dir="t"/>
+          </a:scene3d>
+          <a:sp3d>
+            <a:bevelT w="152400" h="50800" prst="softRound"/>
+          </a:sp3d>
+        </p:spPr>
+        <p:style>
+          <a:lnRef idx="2">
+            <a:schemeClr val="accent1">
+              <a:shade val="50000"/>
+            </a:schemeClr>
+          </a:lnRef>
+          <a:fillRef idx="1">
+            <a:schemeClr val="accent1"/>
+          </a:fillRef>
+          <a:effectRef idx="0">
+            <a:schemeClr val="accent1"/>
+          </a:effectRef>
+          <a:fontRef idx="minor">
+            <a:schemeClr val="lt1"/>
+          </a:fontRef>
+        </p:style>
+        <p:txBody>
+          <a:bodyPr tIns="0" rtlCol="0" anchor="t"/>
+          <a:lstStyle/>
+          <a:p>
+            <a:pPr algn="ctr"/>
+            <a:r>
+              <a:rPr lang="en-US" dirty="0" smtClean="0">
+                <a:solidFill>
+                  <a:schemeClr val="tx1">
+                    <a:lumMod val="50000"/>
+                    <a:lumOff val="50000"/>
+                  </a:schemeClr>
+                </a:solidFill>
+              </a:rPr>
+              <a:t>Server</a:t>
+            </a:r>
+          </a:p>
+        </p:txBody>
+      </p:sp>
+      <p:sp>
+        <p:nvSpPr>
+          <p:cNvPr id="40" name="Rounded Rectangle 39"/>
+          <p:cNvSpPr/>
+          <p:nvPr/>
+        </p:nvSpPr>
+        <p:spPr>
+          <a:xfrm>
+            <a:off x="1066800" y="2209800"/>
+            <a:ext cx="3886200" cy="1981200"/>
+          </a:xfrm>
+          <a:prstGeom prst="roundRect">
+            <a:avLst/>
+          </a:prstGeom>
+          <a:solidFill>
+            <a:schemeClr val="accent3">
+              <a:lumMod val="20000"/>
+              <a:lumOff val="80000"/>
+            </a:schemeClr>
+          </a:solidFill>
+          <a:ln>
+            <a:noFill/>
+          </a:ln>
+          <a:scene3d>
+            <a:camera prst="orthographicFront"/>
+            <a:lightRig rig="threePt" dir="t"/>
+          </a:scene3d>
+          <a:sp3d>
+            <a:bevelT w="152400" h="50800" prst="softRound"/>
+          </a:sp3d>
+        </p:spPr>
+        <p:style>
+          <a:lnRef idx="2">
+            <a:schemeClr val="accent1">
+              <a:shade val="50000"/>
+            </a:schemeClr>
+          </a:lnRef>
+          <a:fillRef idx="1">
+            <a:schemeClr val="accent1"/>
+          </a:fillRef>
+          <a:effectRef idx="0">
+            <a:schemeClr val="accent1"/>
+          </a:effectRef>
+          <a:fontRef idx="minor">
+            <a:schemeClr val="lt1"/>
+          </a:fontRef>
+        </p:style>
+        <p:txBody>
+          <a:bodyPr tIns="0" rtlCol="0" anchor="t"/>
+          <a:lstStyle/>
+          <a:p>
+            <a:pPr algn="ctr"/>
+            <a:r>
+              <a:rPr lang="en-US" dirty="0" smtClean="0">
+                <a:solidFill>
+                  <a:schemeClr val="tx1">
+                    <a:lumMod val="50000"/>
+                    <a:lumOff val="50000"/>
+                  </a:schemeClr>
+                </a:solidFill>
+              </a:rPr>
+              <a:t>Client</a:t>
+            </a:r>
+          </a:p>
+        </p:txBody>
+      </p:sp>
+      <p:sp>
+        <p:nvSpPr>
+          <p:cNvPr id="2" name="Title 1"/>
+          <p:cNvSpPr>
+            <a:spLocks noGrp="1"/>
+          </p:cNvSpPr>
+          <p:nvPr>
+            <p:ph type="title"/>
+          </p:nvPr>
+        </p:nvSpPr>
+        <p:spPr/>
+        <p:txBody>
+          <a:bodyPr/>
+          <a:lstStyle/>
+          <a:p>
+            <a:r>
+              <a:rPr lang="en-US" dirty="0" smtClean="0"/>
+              <a:t>Widget, Component and DOM</a:t>
+            </a:r>
+            <a:endParaRPr lang="en-US" dirty="0"/>
+          </a:p>
+        </p:txBody>
+      </p:sp>
+      <p:sp>
+        <p:nvSpPr>
+          <p:cNvPr id="5" name="Rounded Rectangle 4"/>
+          <p:cNvSpPr/>
+          <p:nvPr/>
+        </p:nvSpPr>
+        <p:spPr bwMode="auto">
+          <a:xfrm>
+            <a:off x="3047999" y="2732809"/>
+            <a:ext cx="1752600" cy="1285884"/>
+          </a:xfrm>
+          <a:prstGeom prst="roundRect">
+            <a:avLst/>
+          </a:prstGeom>
+          <a:solidFill>
+            <a:schemeClr val="accent3">
+              <a:lumMod val="60000"/>
+              <a:lumOff val="40000"/>
+            </a:schemeClr>
+          </a:solidFill>
+          <a:ln w="9525" cap="flat" cmpd="sng" algn="ctr">
+            <a:noFill/>
+            <a:prstDash val="solid"/>
+            <a:round/>
+            <a:headEnd type="none" w="med" len="med"/>
+            <a:tailEnd type="none" w="med" len="med"/>
+          </a:ln>
+          <a:effectLst>
+            <a:outerShdw dist="45791" dir="2021404" algn="ctr" rotWithShape="0">
+              <a:schemeClr val="bg2">
+                <a:alpha val="50000"/>
+              </a:schemeClr>
+            </a:outerShdw>
+          </a:effectLst>
+          <a:scene3d>
+            <a:camera prst="orthographicFront"/>
+            <a:lightRig rig="threePt" dir="t"/>
+          </a:scene3d>
+          <a:sp3d>
+            <a:bevelT/>
+          </a:sp3d>
+        </p:spPr>
+        <p:txBody>
+          <a:bodyPr vert="horz" wrap="none" lIns="91440" tIns="45720" rIns="91440" bIns="45720" numCol="1" rtlCol="0" anchor="ctr" anchorCtr="0" compatLnSpc="1">
+            <a:prstTxWarp prst="textNoShape">
+              <a:avLst/>
+            </a:prstTxWarp>
+          </a:bodyPr>
+          <a:lstStyle/>
+          <a:p>
+            <a:pPr marL="0" marR="0" indent="0" algn="ctr" defTabSz="914400" rtl="0" eaLnBrk="1" fontAlgn="base" latinLnBrk="0" hangingPunct="1">
+              <a:lnSpc>
+                <a:spcPct val="100000"/>
+              </a:lnSpc>
+              <a:spcBef>
+                <a:spcPct val="0"/>
+              </a:spcBef>
+              <a:spcAft>
+                <a:spcPct val="0"/>
+              </a:spcAft>
+              <a:buClrTx/>
+              <a:buSzTx/>
+              <a:buFontTx/>
+              <a:buNone/>
+              <a:tabLst/>
+            </a:pPr>
+            <a:r>
+              <a:rPr kumimoji="1" lang="en-US" sz="2000" b="0" i="0" u="none" strike="noStrike" cap="none" normalizeH="0" baseline="0" dirty="0" smtClean="0">
+                <a:ln>
+                  <a:noFill/>
+                </a:ln>
+                <a:solidFill>
+                  <a:schemeClr val="tx1"/>
+                </a:solidFill>
+                <a:effectLst/>
+                <a:latin typeface="+mj-lt"/>
+                <a:ea typeface="華康細圓體(P)" pitchFamily="34" charset="-120"/>
+              </a:rPr>
+              <a:t>Widget</a:t>
+            </a:r>
+          </a:p>
+        </p:txBody>
+      </p:sp>
+      <p:sp>
+        <p:nvSpPr>
+          <p:cNvPr id="7" name="Rounded Rectangle 6"/>
+          <p:cNvSpPr/>
+          <p:nvPr/>
+        </p:nvSpPr>
+        <p:spPr bwMode="auto">
+          <a:xfrm>
+            <a:off x="6010259" y="2732809"/>
+            <a:ext cx="1762140" cy="1285884"/>
+          </a:xfrm>
+          <a:prstGeom prst="roundRect">
+            <a:avLst/>
+          </a:prstGeom>
+          <a:solidFill>
+            <a:schemeClr val="accent5">
+              <a:lumMod val="20000"/>
+              <a:lumOff val="80000"/>
+            </a:schemeClr>
+          </a:solidFill>
+          <a:ln w="9525" cap="flat" cmpd="sng" algn="ctr">
+            <a:noFill/>
+            <a:prstDash val="solid"/>
+            <a:round/>
+            <a:headEnd type="none" w="med" len="med"/>
+            <a:tailEnd type="none" w="med" len="med"/>
+          </a:ln>
+          <a:effectLst>
+            <a:outerShdw dist="45791" dir="2021404" algn="ctr" rotWithShape="0">
+              <a:schemeClr val="bg2">
+                <a:alpha val="50000"/>
+              </a:schemeClr>
+            </a:outerShdw>
+          </a:effectLst>
+          <a:scene3d>
+            <a:camera prst="orthographicFront"/>
+            <a:lightRig rig="threePt" dir="t"/>
+          </a:scene3d>
+          <a:sp3d>
+            <a:bevelT/>
+          </a:sp3d>
+        </p:spPr>
+        <p:txBody>
+          <a:bodyPr vert="horz" wrap="none" lIns="91440" tIns="45720" rIns="91440" bIns="45720" numCol="1" rtlCol="0" anchor="ctr" anchorCtr="0" compatLnSpc="1">
+            <a:prstTxWarp prst="textNoShape">
+              <a:avLst/>
+            </a:prstTxWarp>
+          </a:bodyPr>
+          <a:lstStyle/>
+          <a:p>
+            <a:pPr marL="0" marR="0" indent="0" algn="ctr" defTabSz="914400" rtl="0" eaLnBrk="1" fontAlgn="base" latinLnBrk="0" hangingPunct="1">
+              <a:lnSpc>
+                <a:spcPct val="100000"/>
+              </a:lnSpc>
+              <a:spcBef>
+                <a:spcPct val="0"/>
+              </a:spcBef>
+              <a:spcAft>
+                <a:spcPct val="0"/>
+              </a:spcAft>
+              <a:buClrTx/>
+              <a:buSzTx/>
+              <a:buFontTx/>
+              <a:buNone/>
+              <a:tabLst/>
+            </a:pPr>
+            <a:r>
+              <a:rPr lang="en-US" sz="2000" dirty="0" smtClean="0">
+                <a:latin typeface="+mj-lt"/>
+              </a:rPr>
+              <a:t>Component</a:t>
+            </a:r>
+          </a:p>
+        </p:txBody>
+      </p:sp>
+      <p:sp>
+        <p:nvSpPr>
+          <p:cNvPr id="26" name="Curved Down Arrow 25"/>
+          <p:cNvSpPr/>
+          <p:nvPr/>
+        </p:nvSpPr>
+        <p:spPr>
+          <a:xfrm>
+            <a:off x="4876799" y="2961409"/>
+            <a:ext cx="1066800" cy="304800"/>
+          </a:xfrm>
+          <a:prstGeom prst="curvedDownArrow">
+            <a:avLst>
+              <a:gd name="adj1" fmla="val 50000"/>
+              <a:gd name="adj2" fmla="val 86497"/>
+              <a:gd name="adj3" fmla="val 25000"/>
+            </a:avLst>
+          </a:prstGeom>
+          <a:solidFill>
+            <a:srgbClr val="C00000"/>
+          </a:solidFill>
+          <a:ln>
+            <a:noFill/>
+          </a:ln>
+        </p:spPr>
+        <p:style>
+          <a:lnRef idx="2">
+            <a:schemeClr val="accent1">
+              <a:shade val="50000"/>
+            </a:schemeClr>
+          </a:lnRef>
+          <a:fillRef idx="1">
+            <a:schemeClr val="accent1"/>
+          </a:fillRef>
+          <a:effectRef idx="0">
+            <a:schemeClr val="accent1"/>
+          </a:effectRef>
+          <a:fontRef idx="minor">
+            <a:schemeClr val="lt1"/>
+          </a:fontRef>
+        </p:style>
+        <p:txBody>
+          <a:bodyPr rtlCol="0" anchor="ctr"/>
+          <a:lstStyle/>
+          <a:p>
+            <a:pPr algn="ctr"/>
+            <a:endParaRPr lang="en-US">
+              <a:solidFill>
+                <a:schemeClr val="tx1"/>
+              </a:solidFill>
+            </a:endParaRPr>
+          </a:p>
+        </p:txBody>
+      </p:sp>
+      <p:sp>
+        <p:nvSpPr>
+          <p:cNvPr id="27" name="Curved Down Arrow 26"/>
+          <p:cNvSpPr/>
+          <p:nvPr/>
+        </p:nvSpPr>
+        <p:spPr>
+          <a:xfrm rot="10800000">
+            <a:off x="4876799" y="3342408"/>
+            <a:ext cx="1066800" cy="304800"/>
+          </a:xfrm>
+          <a:prstGeom prst="curvedDownArrow">
+            <a:avLst>
+              <a:gd name="adj1" fmla="val 50000"/>
+              <a:gd name="adj2" fmla="val 86497"/>
+              <a:gd name="adj3" fmla="val 25000"/>
+            </a:avLst>
+          </a:prstGeom>
+          <a:solidFill>
+            <a:srgbClr val="C00000"/>
+          </a:solidFill>
+          <a:ln>
+            <a:noFill/>
+          </a:ln>
+        </p:spPr>
+        <p:style>
+          <a:lnRef idx="2">
+            <a:schemeClr val="accent1">
+              <a:shade val="50000"/>
+            </a:schemeClr>
+          </a:lnRef>
+          <a:fillRef idx="1">
+            <a:schemeClr val="accent1"/>
+          </a:fillRef>
+          <a:effectRef idx="0">
+            <a:schemeClr val="accent1"/>
+          </a:effectRef>
+          <a:fontRef idx="minor">
+            <a:schemeClr val="lt1"/>
+          </a:fontRef>
+        </p:style>
+        <p:txBody>
+          <a:bodyPr rtlCol="0" anchor="ctr"/>
+          <a:lstStyle/>
+          <a:p>
+            <a:pPr algn="ctr"/>
+            <a:endParaRPr lang="en-US">
+              <a:solidFill>
+                <a:schemeClr val="tx1"/>
+              </a:solidFill>
+            </a:endParaRPr>
+          </a:p>
+        </p:txBody>
+      </p:sp>
+      <p:sp>
+        <p:nvSpPr>
+          <p:cNvPr id="29" name="Left-Right Arrow 28"/>
+          <p:cNvSpPr/>
+          <p:nvPr/>
+        </p:nvSpPr>
+        <p:spPr>
+          <a:xfrm>
+            <a:off x="2362200" y="3266208"/>
+            <a:ext cx="685799" cy="162791"/>
+          </a:xfrm>
+          <a:prstGeom prst="leftRightArrow">
+            <a:avLst/>
+          </a:prstGeom>
+          <a:solidFill>
+            <a:schemeClr val="accent6">
+              <a:lumMod val="75000"/>
+            </a:schemeClr>
+          </a:solidFill>
+          <a:ln>
+            <a:noFill/>
+          </a:ln>
+        </p:spPr>
+        <p:style>
+          <a:lnRef idx="2">
+            <a:schemeClr val="accent1">
+              <a:shade val="50000"/>
+            </a:schemeClr>
+          </a:lnRef>
+          <a:fillRef idx="1">
+            <a:schemeClr val="accent1"/>
+          </a:fillRef>
+          <a:effectRef idx="0">
+            <a:schemeClr val="accent1"/>
+          </a:effectRef>
+          <a:fontRef idx="minor">
+            <a:schemeClr val="lt1"/>
+          </a:fontRef>
+        </p:style>
+        <p:txBody>
+          <a:bodyPr rtlCol="0" anchor="ctr"/>
+          <a:lstStyle/>
+          <a:p>
+            <a:pPr algn="ctr"/>
+            <a:endParaRPr lang="en-US"/>
+          </a:p>
+        </p:txBody>
+      </p:sp>
+      <p:sp>
+        <p:nvSpPr>
+          <p:cNvPr id="31" name="TextBox 30"/>
+          <p:cNvSpPr txBox="1"/>
+          <p:nvPr/>
+        </p:nvSpPr>
+        <p:spPr>
+          <a:xfrm>
+            <a:off x="4953000" y="3059668"/>
+            <a:ext cx="945067" cy="369332"/>
+          </a:xfrm>
+          <a:prstGeom prst="rect">
+            <a:avLst/>
+          </a:prstGeom>
+          <a:noFill/>
+        </p:spPr>
+        <p:txBody>
+          <a:bodyPr wrap="none" rtlCol="0">
+            <a:spAutoFit/>
+          </a:bodyPr>
+          <a:lstStyle/>
+          <a:p>
+            <a:r>
+              <a:rPr lang="en-US" dirty="0" smtClean="0">
+                <a:solidFill>
+                  <a:schemeClr val="bg2">
+                    <a:lumMod val="50000"/>
+                  </a:schemeClr>
+                </a:solidFill>
+              </a:rPr>
+              <a:t>Internet</a:t>
+            </a:r>
+            <a:endParaRPr lang="en-US" dirty="0">
+              <a:solidFill>
+                <a:schemeClr val="bg2">
+                  <a:lumMod val="50000"/>
+                </a:schemeClr>
+              </a:solidFill>
+            </a:endParaRPr>
+          </a:p>
+        </p:txBody>
+      </p:sp>
+      <p:sp>
+        <p:nvSpPr>
+          <p:cNvPr id="19" name="Oval 18"/>
+          <p:cNvSpPr/>
+          <p:nvPr/>
+        </p:nvSpPr>
+        <p:spPr>
+          <a:xfrm>
+            <a:off x="1600200" y="2819400"/>
+            <a:ext cx="457200" cy="457200"/>
+          </a:xfrm>
+          <a:prstGeom prst="ellipse">
+            <a:avLst/>
+          </a:prstGeom>
+          <a:solidFill>
+            <a:schemeClr val="accent1">
+              <a:lumMod val="40000"/>
+              <a:lumOff val="60000"/>
+            </a:schemeClr>
+          </a:solidFill>
+          <a:ln>
+            <a:noFill/>
+          </a:ln>
+          <a:scene3d>
+            <a:camera prst="orthographicFront"/>
+            <a:lightRig rig="threePt" dir="t"/>
+          </a:scene3d>
+          <a:sp3d>
+            <a:bevelT/>
+          </a:sp3d>
+        </p:spPr>
+        <p:style>
+          <a:lnRef idx="2">
+            <a:schemeClr val="accent1">
+              <a:shade val="50000"/>
+            </a:schemeClr>
+          </a:lnRef>
+          <a:fillRef idx="1">
+            <a:schemeClr val="accent1"/>
+          </a:fillRef>
+          <a:effectRef idx="0">
+            <a:schemeClr val="accent1"/>
+          </a:effectRef>
+          <a:fontRef idx="minor">
+            <a:schemeClr val="lt1"/>
+          </a:fontRef>
+        </p:style>
+        <p:txBody>
+          <a:bodyPr rtlCol="0" anchor="ctr"/>
+          <a:lstStyle/>
+          <a:p>
+            <a:pPr algn="ctr"/>
+            <a:endParaRPr lang="en-US"/>
+          </a:p>
+        </p:txBody>
+      </p:sp>
+      <p:sp>
+        <p:nvSpPr>
+          <p:cNvPr id="20" name="Oval 19"/>
+          <p:cNvSpPr/>
+          <p:nvPr/>
+        </p:nvSpPr>
+        <p:spPr>
+          <a:xfrm>
+            <a:off x="1219200" y="3505200"/>
+            <a:ext cx="457200" cy="457200"/>
+          </a:xfrm>
+          <a:prstGeom prst="ellipse">
+            <a:avLst/>
+          </a:prstGeom>
+          <a:solidFill>
+            <a:schemeClr val="accent1">
+              <a:lumMod val="40000"/>
+              <a:lumOff val="60000"/>
+            </a:schemeClr>
+          </a:solidFill>
+          <a:ln>
+            <a:noFill/>
+          </a:ln>
+          <a:scene3d>
+            <a:camera prst="orthographicFront"/>
+            <a:lightRig rig="threePt" dir="t"/>
+          </a:scene3d>
+          <a:sp3d>
+            <a:bevelT/>
+          </a:sp3d>
+        </p:spPr>
+        <p:style>
+          <a:lnRef idx="2">
+            <a:schemeClr val="accent1">
+              <a:shade val="50000"/>
+            </a:schemeClr>
+          </a:lnRef>
+          <a:fillRef idx="1">
+            <a:schemeClr val="accent1"/>
+          </a:fillRef>
+          <a:effectRef idx="0">
+            <a:schemeClr val="accent1"/>
+          </a:effectRef>
+          <a:fontRef idx="minor">
+            <a:schemeClr val="lt1"/>
+          </a:fontRef>
+        </p:style>
+        <p:txBody>
+          <a:bodyPr rtlCol="0" anchor="ctr"/>
+          <a:lstStyle/>
+          <a:p>
+            <a:pPr algn="ctr"/>
+            <a:endParaRPr lang="en-US"/>
+          </a:p>
+        </p:txBody>
+      </p:sp>
+      <p:sp>
+        <p:nvSpPr>
+          <p:cNvPr id="22" name="Oval 21"/>
+          <p:cNvSpPr/>
+          <p:nvPr/>
+        </p:nvSpPr>
+        <p:spPr>
+          <a:xfrm>
+            <a:off x="1981200" y="3505200"/>
+            <a:ext cx="457200" cy="457200"/>
+          </a:xfrm>
+          <a:prstGeom prst="ellipse">
+            <a:avLst/>
+          </a:prstGeom>
+          <a:solidFill>
+            <a:schemeClr val="accent1">
+              <a:lumMod val="40000"/>
+              <a:lumOff val="60000"/>
+            </a:schemeClr>
+          </a:solidFill>
+          <a:ln>
+            <a:noFill/>
+          </a:ln>
+          <a:scene3d>
+            <a:camera prst="orthographicFront"/>
+            <a:lightRig rig="threePt" dir="t"/>
+          </a:scene3d>
+          <a:sp3d>
+            <a:bevelT/>
+          </a:sp3d>
+        </p:spPr>
+        <p:style>
+          <a:lnRef idx="2">
+            <a:schemeClr val="accent1">
+              <a:shade val="50000"/>
+            </a:schemeClr>
+          </a:lnRef>
+          <a:fillRef idx="1">
+            <a:schemeClr val="accent1"/>
+          </a:fillRef>
+          <a:effectRef idx="0">
+            <a:schemeClr val="accent1"/>
+          </a:effectRef>
+          <a:fontRef idx="minor">
+            <a:schemeClr val="lt1"/>
+          </a:fontRef>
+        </p:style>
+        <p:txBody>
+          <a:bodyPr rtlCol="0" anchor="ctr"/>
+          <a:lstStyle/>
+          <a:p>
+            <a:pPr algn="ctr"/>
+            <a:endParaRPr lang="en-US"/>
+          </a:p>
+        </p:txBody>
+      </p:sp>
+      <p:cxnSp>
+        <p:nvCxnSpPr>
+          <p:cNvPr id="33" name="Straight Connector 32"/>
+          <p:cNvCxnSpPr>
+            <a:stCxn id="19" idx="4"/>
+          </p:cNvCxnSpPr>
+          <p:nvPr/>
+        </p:nvCxnSpPr>
+        <p:spPr>
+          <a:xfrm rot="16200000" flipH="1">
+            <a:off x="1828800" y="3276600"/>
+            <a:ext cx="228600" cy="228600"/>
+          </a:xfrm>
+          <a:prstGeom prst="line">
+            <a:avLst/>
+          </a:prstGeom>
+          <a:ln w="25400"/>
+        </p:spPr>
+        <p:style>
+          <a:lnRef idx="1">
+            <a:schemeClr val="accent1"/>
+          </a:lnRef>
+          <a:fillRef idx="0">
+            <a:schemeClr val="accent1"/>
+          </a:fillRef>
+          <a:effectRef idx="0">
+            <a:schemeClr val="accent1"/>
+          </a:effectRef>
+          <a:fontRef idx="minor">
+            <a:schemeClr val="tx1"/>
+          </a:fontRef>
+        </p:style>
+      </p:cxnSp>
+      <p:cxnSp>
+        <p:nvCxnSpPr>
+          <p:cNvPr id="37" name="Straight Connector 36"/>
+          <p:cNvCxnSpPr>
+            <a:endCxn id="20" idx="7"/>
+          </p:cNvCxnSpPr>
+          <p:nvPr/>
+        </p:nvCxnSpPr>
+        <p:spPr>
+          <a:xfrm rot="5400000">
+            <a:off x="1571346" y="3314700"/>
+            <a:ext cx="295555" cy="219355"/>
+          </a:xfrm>
+          <a:prstGeom prst="line">
+            <a:avLst/>
+          </a:prstGeom>
+          <a:ln w="25400"/>
+        </p:spPr>
+        <p:style>
+          <a:lnRef idx="1">
+            <a:schemeClr val="accent1"/>
+          </a:lnRef>
+          <a:fillRef idx="0">
+            <a:schemeClr val="accent1"/>
+          </a:fillRef>
+          <a:effectRef idx="0">
+            <a:schemeClr val="accent1"/>
+          </a:effectRef>
+          <a:fontRef idx="minor">
+            <a:schemeClr val="tx1"/>
+          </a:fontRef>
+        </p:style>
+      </p:cxnSp>
+      <p:sp>
+        <p:nvSpPr>
+          <p:cNvPr id="38" name="TextBox 37"/>
+          <p:cNvSpPr txBox="1"/>
+          <p:nvPr/>
+        </p:nvSpPr>
+        <p:spPr>
+          <a:xfrm>
+            <a:off x="1447800" y="3288268"/>
+            <a:ext cx="676788" cy="369332"/>
+          </a:xfrm>
+          <a:prstGeom prst="rect">
+            <a:avLst/>
+          </a:prstGeom>
+          <a:noFill/>
+        </p:spPr>
+        <p:txBody>
+          <a:bodyPr wrap="none" rtlCol="0">
+            <a:spAutoFit/>
+          </a:bodyPr>
+          <a:lstStyle/>
+          <a:p>
+            <a:r>
+              <a:rPr lang="en-US" dirty="0" smtClean="0"/>
+              <a:t>DOM</a:t>
+            </a:r>
+          </a:p>
+        </p:txBody>
+      </p:sp>
+    </p:spTree>
+  </p:cSld>
+  <p:clrMapOvr>
+    <a:masterClrMapping/>
+  </p:clrMapOvr>
+  <p:timing>
+    <p:tnLst>
+      <p:par>
+        <p:cTn id="1" dur="indefinite" restart="never" nodeType="tmRoot"/>
+      </p:par>
+    </p:tnLst>
+  </p:timing>
+</p:sld>
+</file>
+
+<file path=ppt/slides/slide6.xml><?xml version="1.0" encoding="utf-8"?>
 <p:sld xmlns:a="http://schemas.openxmlformats.org/drawingml/2006/main" xmlns:r="http://schemas.openxmlformats.org/officeDocument/2006/relationships" xmlns:p="http://schemas.openxmlformats.org/presentationml/2006/main">
   <p:cSld>
     <p:spTree>
@@ -12001,4 +13217,287 @@
   </a:objectDefaults>
   <a:extraClrSchemeLst/>
 </a:theme>
+</file>
+
+<file path=ppt/theme/theme2.xml><?xml version="1.0" encoding="utf-8"?>
+<a:theme xmlns:a="http://schemas.openxmlformats.org/drawingml/2006/main" name="Office Theme">
+  <a:themeElements>
+    <a:clrScheme name="Office">
+      <a:dk1>
+        <a:sysClr val="windowText" lastClr="000000"/>
+      </a:dk1>
+      <a:lt1>
+        <a:sysClr val="window" lastClr="FFFFFF"/>
+      </a:lt1>
+      <a:dk2>
+        <a:srgbClr val="1F497D"/>
+      </a:dk2>
+      <a:lt2>
+        <a:srgbClr val="EEECE1"/>
+      </a:lt2>
+      <a:accent1>
+        <a:srgbClr val="4F81BD"/>
+      </a:accent1>
+      <a:accent2>
+        <a:srgbClr val="C0504D"/>
+      </a:accent2>
+      <a:accent3>
+        <a:srgbClr val="9BBB59"/>
+      </a:accent3>
+      <a:accent4>
+        <a:srgbClr val="8064A2"/>
+      </a:accent4>
+      <a:accent5>
+        <a:srgbClr val="4BACC6"/>
+      </a:accent5>
+      <a:accent6>
+        <a:srgbClr val="F79646"/>
+      </a:accent6>
+      <a:hlink>
+        <a:srgbClr val="0000FF"/>
+      </a:hlink>
+      <a:folHlink>
+        <a:srgbClr val="800080"/>
+      </a:folHlink>
+    </a:clrScheme>
+    <a:fontScheme name="Office">
+      <a:majorFont>
+        <a:latin typeface="Calibri"/>
+        <a:ea typeface=""/>
+        <a:cs typeface=""/>
+        <a:font script="Jpan" typeface="ＭＳ Ｐゴシック"/>
+        <a:font script="Hang" typeface="맑은 고딕"/>
+        <a:font script="Hans" typeface="宋体"/>
+        <a:font script="Hant" typeface="新細明體"/>
+        <a:font script="Arab" typeface="Times New Roman"/>
+        <a:font script="Hebr" typeface="Times New Roman"/>
+        <a:font script="Thai" typeface="Angsana New"/>
+        <a:font script="Ethi" typeface="Nyala"/>
+        <a:font script="Beng" typeface="Vrinda"/>
+        <a:font script="Gujr" typeface="Shruti"/>
+        <a:font script="Khmr" typeface="MoolBoran"/>
+        <a:font script="Knda" typeface="Tunga"/>
+        <a:font script="Guru" typeface="Raavi"/>
+        <a:font script="Cans" typeface="Euphemia"/>
+        <a:font script="Cher" typeface="Plantagenet Cherokee"/>
+        <a:font script="Yiii" typeface="Microsoft Yi Baiti"/>
+        <a:font script="Tibt" typeface="Microsoft Himalaya"/>
+        <a:font script="Thaa" typeface="MV Boli"/>
+        <a:font script="Deva" typeface="Mangal"/>
+        <a:font script="Telu" typeface="Gautami"/>
+        <a:font script="Taml" typeface="Latha"/>
+        <a:font script="Syrc" typeface="Estrangelo Edessa"/>
+        <a:font script="Orya" typeface="Kalinga"/>
+        <a:font script="Mlym" typeface="Kartika"/>
+        <a:font script="Laoo" typeface="DokChampa"/>
+        <a:font script="Sinh" typeface="Iskoola Pota"/>
+        <a:font script="Mong" typeface="Mongolian Baiti"/>
+        <a:font script="Viet" typeface="Times New Roman"/>
+        <a:font script="Uigh" typeface="Microsoft Uighur"/>
+      </a:majorFont>
+      <a:minorFont>
+        <a:latin typeface="Calibri"/>
+        <a:ea typeface=""/>
+        <a:cs typeface=""/>
+        <a:font script="Jpan" typeface="ＭＳ Ｐゴシック"/>
+        <a:font script="Hang" typeface="맑은 고딕"/>
+        <a:font script="Hans" typeface="宋体"/>
+        <a:font script="Hant" typeface="新細明體"/>
+        <a:font script="Arab" typeface="Arial"/>
+        <a:font script="Hebr" typeface="Arial"/>
+        <a:font script="Thai" typeface="Cordia New"/>
+        <a:font script="Ethi" typeface="Nyala"/>
+        <a:font script="Beng" typeface="Vrinda"/>
+        <a:font script="Gujr" typeface="Shruti"/>
+        <a:font script="Khmr" typeface="DaunPenh"/>
+        <a:font script="Knda" typeface="Tunga"/>
+        <a:font script="Guru" typeface="Raavi"/>
+        <a:font script="Cans" typeface="Euphemia"/>
+        <a:font script="Cher" typeface="Plantagenet Cherokee"/>
+        <a:font script="Yiii" typeface="Microsoft Yi Baiti"/>
+        <a:font script="Tibt" typeface="Microsoft Himalaya"/>
+        <a:font script="Thaa" typeface="MV Boli"/>
+        <a:font script="Deva" typeface="Mangal"/>
+        <a:font script="Telu" typeface="Gautami"/>
+        <a:font script="Taml" typeface="Latha"/>
+        <a:font script="Syrc" typeface="Estrangelo Edessa"/>
+        <a:font script="Orya" typeface="Kalinga"/>
+        <a:font script="Mlym" typeface="Kartika"/>
+        <a:font script="Laoo" typeface="DokChampa"/>
+        <a:font script="Sinh" typeface="Iskoola Pota"/>
+        <a:font script="Mong" typeface="Mongolian Baiti"/>
+        <a:font script="Viet" typeface="Arial"/>
+        <a:font script="Uigh" typeface="Microsoft Uighur"/>
+      </a:minorFont>
+    </a:fontScheme>
+    <a:fmtScheme name="Office">
+      <a:fillStyleLst>
+        <a:solidFill>
+          <a:schemeClr val="phClr"/>
+        </a:solidFill>
+        <a:gradFill rotWithShape="1">
+          <a:gsLst>
+            <a:gs pos="0">
+              <a:schemeClr val="phClr">
+                <a:tint val="50000"/>
+                <a:satMod val="300000"/>
+              </a:schemeClr>
+            </a:gs>
+            <a:gs pos="35000">
+              <a:schemeClr val="phClr">
+                <a:tint val="37000"/>
+                <a:satMod val="300000"/>
+              </a:schemeClr>
+            </a:gs>
+            <a:gs pos="100000">
+              <a:schemeClr val="phClr">
+                <a:tint val="15000"/>
+                <a:satMod val="350000"/>
+              </a:schemeClr>
+            </a:gs>
+          </a:gsLst>
+          <a:lin ang="16200000" scaled="1"/>
+        </a:gradFill>
+        <a:gradFill rotWithShape="1">
+          <a:gsLst>
+            <a:gs pos="0">
+              <a:schemeClr val="phClr">
+                <a:shade val="51000"/>
+                <a:satMod val="130000"/>
+              </a:schemeClr>
+            </a:gs>
+            <a:gs pos="80000">
+              <a:schemeClr val="phClr">
+                <a:shade val="93000"/>
+                <a:satMod val="130000"/>
+              </a:schemeClr>
+            </a:gs>
+            <a:gs pos="100000">
+              <a:schemeClr val="phClr">
+                <a:shade val="94000"/>
+                <a:satMod val="135000"/>
+              </a:schemeClr>
+            </a:gs>
+          </a:gsLst>
+          <a:lin ang="16200000" scaled="0"/>
+        </a:gradFill>
+      </a:fillStyleLst>
+      <a:lnStyleLst>
+        <a:ln w="9525" cap="flat" cmpd="sng" algn="ctr">
+          <a:solidFill>
+            <a:schemeClr val="phClr">
+              <a:shade val="95000"/>
+              <a:satMod val="105000"/>
+            </a:schemeClr>
+          </a:solidFill>
+          <a:prstDash val="solid"/>
+        </a:ln>
+        <a:ln w="25400" cap="flat" cmpd="sng" algn="ctr">
+          <a:solidFill>
+            <a:schemeClr val="phClr"/>
+          </a:solidFill>
+          <a:prstDash val="solid"/>
+        </a:ln>
+        <a:ln w="38100" cap="flat" cmpd="sng" algn="ctr">
+          <a:solidFill>
+            <a:schemeClr val="phClr"/>
+          </a:solidFill>
+          <a:prstDash val="solid"/>
+        </a:ln>
+      </a:lnStyleLst>
+      <a:effectStyleLst>
+        <a:effectStyle>
+          <a:effectLst>
+            <a:outerShdw blurRad="40000" dist="20000" dir="5400000" rotWithShape="0">
+              <a:srgbClr val="000000">
+                <a:alpha val="38000"/>
+              </a:srgbClr>
+            </a:outerShdw>
+          </a:effectLst>
+        </a:effectStyle>
+        <a:effectStyle>
+          <a:effectLst>
+            <a:outerShdw blurRad="40000" dist="23000" dir="5400000" rotWithShape="0">
+              <a:srgbClr val="000000">
+                <a:alpha val="35000"/>
+              </a:srgbClr>
+            </a:outerShdw>
+          </a:effectLst>
+        </a:effectStyle>
+        <a:effectStyle>
+          <a:effectLst>
+            <a:outerShdw blurRad="40000" dist="23000" dir="5400000" rotWithShape="0">
+              <a:srgbClr val="000000">
+                <a:alpha val="35000"/>
+              </a:srgbClr>
+            </a:outerShdw>
+          </a:effectLst>
+          <a:scene3d>
+            <a:camera prst="orthographicFront">
+              <a:rot lat="0" lon="0" rev="0"/>
+            </a:camera>
+            <a:lightRig rig="threePt" dir="t">
+              <a:rot lat="0" lon="0" rev="1200000"/>
+            </a:lightRig>
+          </a:scene3d>
+          <a:sp3d>
+            <a:bevelT w="63500" h="25400"/>
+          </a:sp3d>
+        </a:effectStyle>
+      </a:effectStyleLst>
+      <a:bgFillStyleLst>
+        <a:solidFill>
+          <a:schemeClr val="phClr"/>
+        </a:solidFill>
+        <a:gradFill rotWithShape="1">
+          <a:gsLst>
+            <a:gs pos="0">
+              <a:schemeClr val="phClr">
+                <a:tint val="40000"/>
+                <a:satMod val="350000"/>
+              </a:schemeClr>
+            </a:gs>
+            <a:gs pos="40000">
+              <a:schemeClr val="phClr">
+                <a:tint val="45000"/>
+                <a:shade val="99000"/>
+                <a:satMod val="350000"/>
+              </a:schemeClr>
+            </a:gs>
+            <a:gs pos="100000">
+              <a:schemeClr val="phClr">
+                <a:shade val="20000"/>
+                <a:satMod val="255000"/>
+              </a:schemeClr>
+            </a:gs>
+          </a:gsLst>
+          <a:path path="circle">
+            <a:fillToRect l="50000" t="-80000" r="50000" b="180000"/>
+          </a:path>
+        </a:gradFill>
+        <a:gradFill rotWithShape="1">
+          <a:gsLst>
+            <a:gs pos="0">
+              <a:schemeClr val="phClr">
+                <a:tint val="80000"/>
+                <a:satMod val="300000"/>
+              </a:schemeClr>
+            </a:gs>
+            <a:gs pos="100000">
+              <a:schemeClr val="phClr">
+                <a:shade val="30000"/>
+                <a:satMod val="200000"/>
+              </a:schemeClr>
+            </a:gs>
+          </a:gsLst>
+          <a:path path="circle">
+            <a:fillToRect l="50000" t="50000" r="50000" b="50000"/>
+          </a:path>
+        </a:gradFill>
+      </a:bgFillStyleLst>
+    </a:fmtScheme>
+  </a:themeElements>
+  <a:objectDefaults/>
+  <a:extraClrSchemeLst/>
+</a:theme>
 </file>
--- a/zkdoc/CDG5/_internal_/Draws.pptx
+++ b/zkdoc/CDG5/_internal_/Draws.pptx
@@ -5,7 +5,7 @@
     <p:sldMasterId id="2147483648" r:id="rId1"/>
   </p:sldMasterIdLst>
   <p:notesMasterIdLst>
-    <p:notesMasterId r:id="rId8"/>
+    <p:notesMasterId r:id="rId9"/>
   </p:notesMasterIdLst>
   <p:sldIdLst>
     <p:sldId id="257" r:id="rId2"/>
@@ -13,7 +13,8 @@
     <p:sldId id="259" r:id="rId4"/>
     <p:sldId id="260" r:id="rId5"/>
     <p:sldId id="262" r:id="rId6"/>
-    <p:sldId id="258" r:id="rId7"/>
+    <p:sldId id="263" r:id="rId7"/>
+    <p:sldId id="258" r:id="rId8"/>
   </p:sldIdLst>
   <p:sldSz cx="9144000" cy="6858000" type="screen4x3"/>
   <p:notesSz cx="6858000" cy="9144000"/>
@@ -197,7 +198,8 @@
           <a:p>
             <a:fld id="{BBD84E8D-CE8D-4094-B412-18E8D5970C55}" type="datetimeFigureOut">
               <a:rPr lang="en-US" smtClean="0"/>
-              <a:t>12/5/2008</a:t>
+              <a:pPr/>
+              <a:t>12/9/2008</a:t>
             </a:fld>
             <a:endParaRPr lang="en-US"/>
           </a:p>
@@ -358,6 +360,7 @@
           <a:p>
             <a:fld id="{76C97D0C-411B-4EC6-AB74-584C8475A0B0}" type="slidenum">
               <a:rPr lang="en-US" smtClean="0"/>
+              <a:pPr/>
               <a:t>‹#›</a:t>
             </a:fld>
             <a:endParaRPr lang="en-US"/>
@@ -529,6 +532,7 @@
           <a:p>
             <a:fld id="{76C97D0C-411B-4EC6-AB74-584C8475A0B0}" type="slidenum">
               <a:rPr lang="en-US" smtClean="0"/>
+              <a:pPr/>
               <a:t>5</a:t>
             </a:fld>
             <a:endParaRPr lang="en-US"/>
@@ -725,7 +729,7 @@
             <a:fld id="{2A6A712F-E8E2-420C-9DD1-0F3C2D9B5365}" type="datetimeFigureOut">
               <a:rPr lang="en-US" smtClean="0"/>
               <a:pPr/>
-              <a:t>12/4/2008</a:t>
+              <a:t>12/9/2008</a:t>
             </a:fld>
             <a:endParaRPr lang="en-US"/>
           </a:p>
@@ -892,7 +896,7 @@
             <a:fld id="{2A6A712F-E8E2-420C-9DD1-0F3C2D9B5365}" type="datetimeFigureOut">
               <a:rPr lang="en-US" smtClean="0"/>
               <a:pPr/>
-              <a:t>12/4/2008</a:t>
+              <a:t>12/9/2008</a:t>
             </a:fld>
             <a:endParaRPr lang="en-US"/>
           </a:p>
@@ -1069,7 +1073,7 @@
             <a:fld id="{2A6A712F-E8E2-420C-9DD1-0F3C2D9B5365}" type="datetimeFigureOut">
               <a:rPr lang="en-US" smtClean="0"/>
               <a:pPr/>
-              <a:t>12/4/2008</a:t>
+              <a:t>12/9/2008</a:t>
             </a:fld>
             <a:endParaRPr lang="en-US"/>
           </a:p>
@@ -1236,7 +1240,7 @@
             <a:fld id="{2A6A712F-E8E2-420C-9DD1-0F3C2D9B5365}" type="datetimeFigureOut">
               <a:rPr lang="en-US" smtClean="0"/>
               <a:pPr/>
-              <a:t>12/4/2008</a:t>
+              <a:t>12/9/2008</a:t>
             </a:fld>
             <a:endParaRPr lang="en-US"/>
           </a:p>
@@ -1479,7 +1483,7 @@
             <a:fld id="{2A6A712F-E8E2-420C-9DD1-0F3C2D9B5365}" type="datetimeFigureOut">
               <a:rPr lang="en-US" smtClean="0"/>
               <a:pPr/>
-              <a:t>12/4/2008</a:t>
+              <a:t>12/9/2008</a:t>
             </a:fld>
             <a:endParaRPr lang="en-US"/>
           </a:p>
@@ -1764,7 +1768,7 @@
             <a:fld id="{2A6A712F-E8E2-420C-9DD1-0F3C2D9B5365}" type="datetimeFigureOut">
               <a:rPr lang="en-US" smtClean="0"/>
               <a:pPr/>
-              <a:t>12/4/2008</a:t>
+              <a:t>12/9/2008</a:t>
             </a:fld>
             <a:endParaRPr lang="en-US"/>
           </a:p>
@@ -2183,7 +2187,7 @@
             <a:fld id="{2A6A712F-E8E2-420C-9DD1-0F3C2D9B5365}" type="datetimeFigureOut">
               <a:rPr lang="en-US" smtClean="0"/>
               <a:pPr/>
-              <a:t>12/4/2008</a:t>
+              <a:t>12/9/2008</a:t>
             </a:fld>
             <a:endParaRPr lang="en-US"/>
           </a:p>
@@ -2298,7 +2302,7 @@
             <a:fld id="{2A6A712F-E8E2-420C-9DD1-0F3C2D9B5365}" type="datetimeFigureOut">
               <a:rPr lang="en-US" smtClean="0"/>
               <a:pPr/>
-              <a:t>12/4/2008</a:t>
+              <a:t>12/9/2008</a:t>
             </a:fld>
             <a:endParaRPr lang="en-US"/>
           </a:p>
@@ -2390,7 +2394,7 @@
             <a:fld id="{2A6A712F-E8E2-420C-9DD1-0F3C2D9B5365}" type="datetimeFigureOut">
               <a:rPr lang="en-US" smtClean="0"/>
               <a:pPr/>
-              <a:t>12/4/2008</a:t>
+              <a:t>12/9/2008</a:t>
             </a:fld>
             <a:endParaRPr lang="en-US"/>
           </a:p>
@@ -2664,7 +2668,7 @@
             <a:fld id="{2A6A712F-E8E2-420C-9DD1-0F3C2D9B5365}" type="datetimeFigureOut">
               <a:rPr lang="en-US" smtClean="0"/>
               <a:pPr/>
-              <a:t>12/4/2008</a:t>
+              <a:t>12/9/2008</a:t>
             </a:fld>
             <a:endParaRPr lang="en-US"/>
           </a:p>
@@ -2914,7 +2918,7 @@
             <a:fld id="{2A6A712F-E8E2-420C-9DD1-0F3C2D9B5365}" type="datetimeFigureOut">
               <a:rPr lang="en-US" smtClean="0"/>
               <a:pPr/>
-              <a:t>12/4/2008</a:t>
+              <a:t>12/9/2008</a:t>
             </a:fld>
             <a:endParaRPr lang="en-US"/>
           </a:p>
@@ -3124,7 +3128,7 @@
             <a:fld id="{2A6A712F-E8E2-420C-9DD1-0F3C2D9B5365}" type="datetimeFigureOut">
               <a:rPr lang="en-US" smtClean="0"/>
               <a:pPr/>
-              <a:t>12/4/2008</a:t>
+              <a:t>12/9/2008</a:t>
             </a:fld>
             <a:endParaRPr lang="en-US"/>
           </a:p>
@@ -12030,6 +12034,726 @@
 </file>
 
 <file path=ppt/slides/slide6.xml><?xml version="1.0" encoding="utf-8"?>
+<p:sld xmlns:a="http://schemas.openxmlformats.org/drawingml/2006/main" xmlns:r="http://schemas.openxmlformats.org/officeDocument/2006/relationships" xmlns:p="http://schemas.openxmlformats.org/presentationml/2006/main">
+  <p:cSld>
+    <p:spTree>
+      <p:nvGrpSpPr>
+        <p:cNvPr id="1" name=""/>
+        <p:cNvGrpSpPr/>
+        <p:nvPr/>
+      </p:nvGrpSpPr>
+      <p:grpSpPr>
+        <a:xfrm>
+          <a:off x="0" y="0"/>
+          <a:ext cx="0" cy="0"/>
+          <a:chOff x="0" y="0"/>
+          <a:chExt cx="0" cy="0"/>
+        </a:xfrm>
+      </p:grpSpPr>
+      <p:sp>
+        <p:nvSpPr>
+          <p:cNvPr id="21" name="Rounded Rectangle 20"/>
+          <p:cNvSpPr/>
+          <p:nvPr/>
+        </p:nvSpPr>
+        <p:spPr>
+          <a:xfrm>
+            <a:off x="4572000" y="2133600"/>
+            <a:ext cx="2514600" cy="3200400"/>
+          </a:xfrm>
+          <a:prstGeom prst="roundRect">
+            <a:avLst/>
+          </a:prstGeom>
+          <a:solidFill>
+            <a:schemeClr val="accent3">
+              <a:lumMod val="20000"/>
+              <a:lumOff val="80000"/>
+            </a:schemeClr>
+          </a:solidFill>
+          <a:ln>
+            <a:noFill/>
+          </a:ln>
+          <a:scene3d>
+            <a:camera prst="orthographicFront"/>
+            <a:lightRig rig="threePt" dir="t"/>
+          </a:scene3d>
+          <a:sp3d>
+            <a:bevelT w="152400" h="50800" prst="softRound"/>
+          </a:sp3d>
+        </p:spPr>
+        <p:style>
+          <a:lnRef idx="2">
+            <a:schemeClr val="accent1">
+              <a:shade val="50000"/>
+            </a:schemeClr>
+          </a:lnRef>
+          <a:fillRef idx="1">
+            <a:schemeClr val="accent1"/>
+          </a:fillRef>
+          <a:effectRef idx="0">
+            <a:schemeClr val="accent1"/>
+          </a:effectRef>
+          <a:fontRef idx="minor">
+            <a:schemeClr val="lt1"/>
+          </a:fontRef>
+        </p:style>
+        <p:txBody>
+          <a:bodyPr tIns="0" rtlCol="0" anchor="t"/>
+          <a:lstStyle/>
+          <a:p>
+            <a:pPr algn="ctr"/>
+            <a:r>
+              <a:rPr lang="en-US" dirty="0" smtClean="0">
+                <a:solidFill>
+                  <a:schemeClr val="tx1">
+                    <a:lumMod val="50000"/>
+                    <a:lumOff val="50000"/>
+                  </a:schemeClr>
+                </a:solidFill>
+              </a:rPr>
+              <a:t>Server</a:t>
+            </a:r>
+          </a:p>
+        </p:txBody>
+      </p:sp>
+      <p:sp>
+        <p:nvSpPr>
+          <p:cNvPr id="16" name="Rounded Rectangle 15"/>
+          <p:cNvSpPr/>
+          <p:nvPr/>
+        </p:nvSpPr>
+        <p:spPr>
+          <a:xfrm>
+            <a:off x="1219200" y="2133600"/>
+            <a:ext cx="2514600" cy="3200400"/>
+          </a:xfrm>
+          <a:prstGeom prst="roundRect">
+            <a:avLst/>
+          </a:prstGeom>
+          <a:solidFill>
+            <a:schemeClr val="accent3">
+              <a:lumMod val="20000"/>
+              <a:lumOff val="80000"/>
+            </a:schemeClr>
+          </a:solidFill>
+          <a:ln>
+            <a:noFill/>
+          </a:ln>
+          <a:scene3d>
+            <a:camera prst="orthographicFront"/>
+            <a:lightRig rig="threePt" dir="t"/>
+          </a:scene3d>
+          <a:sp3d>
+            <a:bevelT w="152400" h="50800" prst="softRound"/>
+          </a:sp3d>
+        </p:spPr>
+        <p:style>
+          <a:lnRef idx="2">
+            <a:schemeClr val="accent1">
+              <a:shade val="50000"/>
+            </a:schemeClr>
+          </a:lnRef>
+          <a:fillRef idx="1">
+            <a:schemeClr val="accent1"/>
+          </a:fillRef>
+          <a:effectRef idx="0">
+            <a:schemeClr val="accent1"/>
+          </a:effectRef>
+          <a:fontRef idx="minor">
+            <a:schemeClr val="lt1"/>
+          </a:fontRef>
+        </p:style>
+        <p:txBody>
+          <a:bodyPr tIns="0" rtlCol="0" anchor="t"/>
+          <a:lstStyle/>
+          <a:p>
+            <a:pPr algn="ctr"/>
+            <a:r>
+              <a:rPr lang="en-US" dirty="0" smtClean="0">
+                <a:solidFill>
+                  <a:schemeClr val="tx1">
+                    <a:lumMod val="50000"/>
+                    <a:lumOff val="50000"/>
+                  </a:schemeClr>
+                </a:solidFill>
+              </a:rPr>
+              <a:t>Client</a:t>
+            </a:r>
+          </a:p>
+        </p:txBody>
+      </p:sp>
+      <p:sp>
+        <p:nvSpPr>
+          <p:cNvPr id="2" name="Title 1"/>
+          <p:cNvSpPr>
+            <a:spLocks noGrp="1"/>
+          </p:cNvSpPr>
+          <p:nvPr>
+            <p:ph type="title"/>
+          </p:nvPr>
+        </p:nvSpPr>
+        <p:spPr/>
+        <p:txBody>
+          <a:bodyPr/>
+          <a:lstStyle/>
+          <a:p>
+            <a:r>
+              <a:rPr lang="en-US" dirty="0" smtClean="0"/>
+              <a:t>Client Event and AU Request</a:t>
+            </a:r>
+            <a:endParaRPr lang="en-US" dirty="0"/>
+          </a:p>
+        </p:txBody>
+      </p:sp>
+      <p:sp>
+        <p:nvSpPr>
+          <p:cNvPr id="5" name="Rounded Rectangle 4"/>
+          <p:cNvSpPr/>
+          <p:nvPr/>
+        </p:nvSpPr>
+        <p:spPr bwMode="auto">
+          <a:xfrm>
+            <a:off x="1371600" y="2732809"/>
+            <a:ext cx="2209799" cy="1285884"/>
+          </a:xfrm>
+          <a:prstGeom prst="roundRect">
+            <a:avLst/>
+          </a:prstGeom>
+          <a:solidFill>
+            <a:schemeClr val="accent3">
+              <a:lumMod val="60000"/>
+              <a:lumOff val="40000"/>
+            </a:schemeClr>
+          </a:solidFill>
+          <a:ln w="9525" cap="flat" cmpd="sng" algn="ctr">
+            <a:noFill/>
+            <a:prstDash val="solid"/>
+            <a:round/>
+            <a:headEnd type="none" w="med" len="med"/>
+            <a:tailEnd type="none" w="med" len="med"/>
+          </a:ln>
+          <a:effectLst>
+            <a:outerShdw dist="45791" dir="2021404" algn="ctr" rotWithShape="0">
+              <a:schemeClr val="bg2">
+                <a:alpha val="50000"/>
+              </a:schemeClr>
+            </a:outerShdw>
+          </a:effectLst>
+          <a:scene3d>
+            <a:camera prst="orthographicFront"/>
+            <a:lightRig rig="threePt" dir="t"/>
+          </a:scene3d>
+          <a:sp3d>
+            <a:bevelT/>
+          </a:sp3d>
+        </p:spPr>
+        <p:txBody>
+          <a:bodyPr vert="horz" wrap="none" lIns="91440" tIns="45720" rIns="91440" bIns="45720" numCol="1" rtlCol="0" anchor="ctr" anchorCtr="0" compatLnSpc="1">
+            <a:prstTxWarp prst="textNoShape">
+              <a:avLst/>
+            </a:prstTxWarp>
+          </a:bodyPr>
+          <a:lstStyle/>
+          <a:p>
+            <a:pPr marL="0" marR="0" indent="0" algn="ctr" defTabSz="914400" rtl="0" eaLnBrk="1" fontAlgn="base" latinLnBrk="0" hangingPunct="1">
+              <a:lnSpc>
+                <a:spcPct val="100000"/>
+              </a:lnSpc>
+              <a:spcBef>
+                <a:spcPct val="0"/>
+              </a:spcBef>
+              <a:spcAft>
+                <a:spcPct val="0"/>
+              </a:spcAft>
+              <a:buClrTx/>
+              <a:buSzTx/>
+              <a:buFontTx/>
+              <a:buNone/>
+              <a:tabLst/>
+            </a:pPr>
+            <a:r>
+              <a:rPr kumimoji="1" lang="en-US" sz="2000" dirty="0" err="1" smtClean="0">
+                <a:latin typeface="+mj-lt"/>
+                <a:ea typeface="華康細圓體(P)" pitchFamily="34" charset="-120"/>
+              </a:rPr>
+              <a:t>this.fire</a:t>
+            </a:r>
+            <a:r>
+              <a:rPr kumimoji="1" lang="en-US" sz="2000" dirty="0" smtClean="0">
+                <a:latin typeface="+mj-lt"/>
+                <a:ea typeface="華康細圓體(P)" pitchFamily="34" charset="-120"/>
+              </a:rPr>
+              <a:t>(‘</a:t>
+            </a:r>
+            <a:r>
+              <a:rPr kumimoji="1" lang="en-US" sz="2000" dirty="0" err="1" smtClean="0">
+                <a:latin typeface="+mj-lt"/>
+                <a:ea typeface="華康細圓體(P)" pitchFamily="34" charset="-120"/>
+              </a:rPr>
+              <a:t>onClose</a:t>
+            </a:r>
+            <a:r>
+              <a:rPr kumimoji="1" lang="en-US" sz="2000" dirty="0" smtClean="0">
+                <a:latin typeface="+mj-lt"/>
+                <a:ea typeface="華康細圓體(P)" pitchFamily="34" charset="-120"/>
+              </a:rPr>
+              <a:t>’)</a:t>
+            </a:r>
+            <a:endParaRPr kumimoji="1" lang="en-US" sz="2000" b="0" i="0" u="none" strike="noStrike" cap="none" normalizeH="0" baseline="0" dirty="0" smtClean="0">
+              <a:ln>
+                <a:noFill/>
+              </a:ln>
+              <a:solidFill>
+                <a:schemeClr val="tx1"/>
+              </a:solidFill>
+              <a:effectLst/>
+              <a:latin typeface="+mj-lt"/>
+              <a:ea typeface="華康細圓體(P)" pitchFamily="34" charset="-120"/>
+            </a:endParaRPr>
+          </a:p>
+        </p:txBody>
+      </p:sp>
+      <p:sp>
+        <p:nvSpPr>
+          <p:cNvPr id="7" name="Rounded Rectangle 6"/>
+          <p:cNvSpPr/>
+          <p:nvPr/>
+        </p:nvSpPr>
+        <p:spPr bwMode="auto">
+          <a:xfrm>
+            <a:off x="4724400" y="2732809"/>
+            <a:ext cx="2209800" cy="1285884"/>
+          </a:xfrm>
+          <a:prstGeom prst="roundRect">
+            <a:avLst/>
+          </a:prstGeom>
+          <a:solidFill>
+            <a:schemeClr val="accent5">
+              <a:lumMod val="20000"/>
+              <a:lumOff val="80000"/>
+            </a:schemeClr>
+          </a:solidFill>
+          <a:ln w="9525" cap="flat" cmpd="sng" algn="ctr">
+            <a:noFill/>
+            <a:prstDash val="solid"/>
+            <a:round/>
+            <a:headEnd type="none" w="med" len="med"/>
+            <a:tailEnd type="none" w="med" len="med"/>
+          </a:ln>
+          <a:effectLst>
+            <a:outerShdw dist="45791" dir="2021404" algn="ctr" rotWithShape="0">
+              <a:schemeClr val="bg2">
+                <a:alpha val="50000"/>
+              </a:schemeClr>
+            </a:outerShdw>
+          </a:effectLst>
+          <a:scene3d>
+            <a:camera prst="orthographicFront"/>
+            <a:lightRig rig="threePt" dir="t"/>
+          </a:scene3d>
+          <a:sp3d>
+            <a:bevelT/>
+          </a:sp3d>
+        </p:spPr>
+        <p:txBody>
+          <a:bodyPr vert="horz" wrap="none" lIns="91440" tIns="45720" rIns="91440" bIns="45720" numCol="1" rtlCol="0" anchor="ctr" anchorCtr="0" compatLnSpc="1">
+            <a:prstTxWarp prst="textNoShape">
+              <a:avLst/>
+            </a:prstTxWarp>
+          </a:bodyPr>
+          <a:lstStyle/>
+          <a:p>
+            <a:pPr marL="0" marR="0" indent="0" algn="ctr" defTabSz="914400" rtl="0" eaLnBrk="1" fontAlgn="base" latinLnBrk="0" hangingPunct="1">
+              <a:lnSpc>
+                <a:spcPct val="100000"/>
+              </a:lnSpc>
+              <a:spcBef>
+                <a:spcPct val="0"/>
+              </a:spcBef>
+              <a:spcAft>
+                <a:spcPct val="0"/>
+              </a:spcAft>
+              <a:buClrTx/>
+              <a:buSzTx/>
+              <a:buFontTx/>
+              <a:buNone/>
+              <a:tabLst/>
+            </a:pPr>
+            <a:r>
+              <a:rPr lang="en-US" sz="2000" dirty="0" err="1" smtClean="0">
+                <a:latin typeface="+mj-lt"/>
+              </a:rPr>
+              <a:t>this.process</a:t>
+            </a:r>
+            <a:r>
+              <a:rPr lang="en-US" sz="2000" dirty="0" smtClean="0">
+                <a:latin typeface="+mj-lt"/>
+              </a:rPr>
+              <a:t>(</a:t>
+            </a:r>
+            <a:r>
+              <a:rPr lang="en-US" sz="2000" dirty="0" err="1" smtClean="0">
+                <a:latin typeface="+mj-lt"/>
+              </a:rPr>
+              <a:t>req</a:t>
+            </a:r>
+            <a:r>
+              <a:rPr lang="en-US" sz="2000" dirty="0" smtClean="0">
+                <a:latin typeface="+mj-lt"/>
+              </a:rPr>
+              <a:t>)</a:t>
+            </a:r>
+            <a:endParaRPr lang="en-US" sz="2000" dirty="0" smtClean="0">
+              <a:latin typeface="+mj-lt"/>
+            </a:endParaRPr>
+          </a:p>
+        </p:txBody>
+      </p:sp>
+      <p:sp>
+        <p:nvSpPr>
+          <p:cNvPr id="20" name="Down Arrow 19"/>
+          <p:cNvSpPr/>
+          <p:nvPr/>
+        </p:nvSpPr>
+        <p:spPr>
+          <a:xfrm>
+            <a:off x="2286000" y="4038600"/>
+            <a:ext cx="381000" cy="457200"/>
+          </a:xfrm>
+          <a:prstGeom prst="downArrow">
+            <a:avLst/>
+          </a:prstGeom>
+          <a:solidFill>
+            <a:schemeClr val="accent6"/>
+          </a:solidFill>
+          <a:ln>
+            <a:noFill/>
+          </a:ln>
+        </p:spPr>
+        <p:style>
+          <a:lnRef idx="2">
+            <a:schemeClr val="accent1">
+              <a:shade val="50000"/>
+            </a:schemeClr>
+          </a:lnRef>
+          <a:fillRef idx="1">
+            <a:schemeClr val="accent1"/>
+          </a:fillRef>
+          <a:effectRef idx="0">
+            <a:schemeClr val="accent1"/>
+          </a:effectRef>
+          <a:fontRef idx="minor">
+            <a:schemeClr val="lt1"/>
+          </a:fontRef>
+        </p:style>
+        <p:txBody>
+          <a:bodyPr rtlCol="0" anchor="ctr"/>
+          <a:lstStyle/>
+          <a:p>
+            <a:pPr algn="ctr"/>
+            <a:endParaRPr lang="en-US"/>
+          </a:p>
+        </p:txBody>
+      </p:sp>
+      <p:sp>
+        <p:nvSpPr>
+          <p:cNvPr id="22" name="Snip Diagonal Corner Rectangle 21"/>
+          <p:cNvSpPr/>
+          <p:nvPr/>
+        </p:nvSpPr>
+        <p:spPr>
+          <a:xfrm>
+            <a:off x="1905000" y="4572000"/>
+            <a:ext cx="1219200" cy="381000"/>
+          </a:xfrm>
+          <a:prstGeom prst="snip2DiagRect">
+            <a:avLst/>
+          </a:prstGeom>
+          <a:solidFill>
+            <a:schemeClr val="bg2">
+              <a:lumMod val="90000"/>
+            </a:schemeClr>
+          </a:solidFill>
+          <a:ln>
+            <a:noFill/>
+          </a:ln>
+        </p:spPr>
+        <p:style>
+          <a:lnRef idx="2">
+            <a:schemeClr val="accent1">
+              <a:shade val="50000"/>
+            </a:schemeClr>
+          </a:lnRef>
+          <a:fillRef idx="1">
+            <a:schemeClr val="accent1"/>
+          </a:fillRef>
+          <a:effectRef idx="0">
+            <a:schemeClr val="accent1"/>
+          </a:effectRef>
+          <a:fontRef idx="minor">
+            <a:schemeClr val="lt1"/>
+          </a:fontRef>
+        </p:style>
+        <p:txBody>
+          <a:bodyPr rtlCol="0" anchor="ctr"/>
+          <a:lstStyle/>
+          <a:p>
+            <a:pPr algn="ctr"/>
+            <a:r>
+              <a:rPr lang="en-US" dirty="0" err="1" smtClean="0">
+                <a:solidFill>
+                  <a:schemeClr val="tx1">
+                    <a:lumMod val="75000"/>
+                    <a:lumOff val="25000"/>
+                  </a:schemeClr>
+                </a:solidFill>
+              </a:rPr>
+              <a:t>zk.Event</a:t>
+            </a:r>
+            <a:endParaRPr lang="en-US" dirty="0">
+              <a:solidFill>
+                <a:schemeClr val="tx1">
+                  <a:lumMod val="75000"/>
+                  <a:lumOff val="25000"/>
+                </a:schemeClr>
+              </a:solidFill>
+            </a:endParaRPr>
+          </a:p>
+        </p:txBody>
+      </p:sp>
+      <p:sp>
+        <p:nvSpPr>
+          <p:cNvPr id="23" name="Snip Diagonal Corner Rectangle 22"/>
+          <p:cNvSpPr/>
+          <p:nvPr/>
+        </p:nvSpPr>
+        <p:spPr>
+          <a:xfrm>
+            <a:off x="5181600" y="4572000"/>
+            <a:ext cx="1295400" cy="381000"/>
+          </a:xfrm>
+          <a:prstGeom prst="snip2DiagRect">
+            <a:avLst/>
+          </a:prstGeom>
+          <a:solidFill>
+            <a:schemeClr val="bg2">
+              <a:lumMod val="90000"/>
+            </a:schemeClr>
+          </a:solidFill>
+          <a:ln>
+            <a:noFill/>
+          </a:ln>
+        </p:spPr>
+        <p:style>
+          <a:lnRef idx="2">
+            <a:schemeClr val="accent1">
+              <a:shade val="50000"/>
+            </a:schemeClr>
+          </a:lnRef>
+          <a:fillRef idx="1">
+            <a:schemeClr val="accent1"/>
+          </a:fillRef>
+          <a:effectRef idx="0">
+            <a:schemeClr val="accent1"/>
+          </a:effectRef>
+          <a:fontRef idx="minor">
+            <a:schemeClr val="lt1"/>
+          </a:fontRef>
+        </p:style>
+        <p:txBody>
+          <a:bodyPr rtlCol="0" anchor="ctr"/>
+          <a:lstStyle/>
+          <a:p>
+            <a:pPr algn="ctr"/>
+            <a:r>
+              <a:rPr lang="en-US" dirty="0" err="1" smtClean="0">
+                <a:solidFill>
+                  <a:schemeClr val="tx1">
+                    <a:lumMod val="75000"/>
+                    <a:lumOff val="25000"/>
+                  </a:schemeClr>
+                </a:solidFill>
+              </a:rPr>
+              <a:t>AuRequest</a:t>
+            </a:r>
+            <a:endParaRPr lang="en-US" dirty="0">
+              <a:solidFill>
+                <a:schemeClr val="tx1">
+                  <a:lumMod val="75000"/>
+                  <a:lumOff val="25000"/>
+                </a:schemeClr>
+              </a:solidFill>
+            </a:endParaRPr>
+          </a:p>
+        </p:txBody>
+      </p:sp>
+      <p:sp>
+        <p:nvSpPr>
+          <p:cNvPr id="24" name="Down Arrow 23"/>
+          <p:cNvSpPr/>
+          <p:nvPr/>
+        </p:nvSpPr>
+        <p:spPr>
+          <a:xfrm rot="10800000">
+            <a:off x="5638801" y="4038600"/>
+            <a:ext cx="381000" cy="457200"/>
+          </a:xfrm>
+          <a:prstGeom prst="downArrow">
+            <a:avLst/>
+          </a:prstGeom>
+          <a:solidFill>
+            <a:schemeClr val="accent6"/>
+          </a:solidFill>
+          <a:ln>
+            <a:noFill/>
+          </a:ln>
+        </p:spPr>
+        <p:style>
+          <a:lnRef idx="2">
+            <a:schemeClr val="accent1">
+              <a:shade val="50000"/>
+            </a:schemeClr>
+          </a:lnRef>
+          <a:fillRef idx="1">
+            <a:schemeClr val="accent1"/>
+          </a:fillRef>
+          <a:effectRef idx="0">
+            <a:schemeClr val="accent1"/>
+          </a:effectRef>
+          <a:fontRef idx="minor">
+            <a:schemeClr val="lt1"/>
+          </a:fontRef>
+        </p:style>
+        <p:txBody>
+          <a:bodyPr rtlCol="0" anchor="ctr"/>
+          <a:lstStyle/>
+          <a:p>
+            <a:pPr algn="ctr"/>
+            <a:endParaRPr lang="en-US"/>
+          </a:p>
+        </p:txBody>
+      </p:sp>
+      <p:sp>
+        <p:nvSpPr>
+          <p:cNvPr id="25" name="Right Arrow 24"/>
+          <p:cNvSpPr/>
+          <p:nvPr/>
+        </p:nvSpPr>
+        <p:spPr>
+          <a:xfrm>
+            <a:off x="3276600" y="4572000"/>
+            <a:ext cx="1905000" cy="381000"/>
+          </a:xfrm>
+          <a:prstGeom prst="rightArrow">
+            <a:avLst/>
+          </a:prstGeom>
+          <a:solidFill>
+            <a:schemeClr val="accent6"/>
+          </a:solidFill>
+          <a:ln>
+            <a:noFill/>
+          </a:ln>
+        </p:spPr>
+        <p:style>
+          <a:lnRef idx="2">
+            <a:schemeClr val="accent1">
+              <a:shade val="50000"/>
+            </a:schemeClr>
+          </a:lnRef>
+          <a:fillRef idx="1">
+            <a:schemeClr val="accent1"/>
+          </a:fillRef>
+          <a:effectRef idx="0">
+            <a:schemeClr val="accent1"/>
+          </a:effectRef>
+          <a:fontRef idx="minor">
+            <a:schemeClr val="lt1"/>
+          </a:fontRef>
+        </p:style>
+        <p:txBody>
+          <a:bodyPr rtlCol="0" anchor="ctr"/>
+          <a:lstStyle/>
+          <a:p>
+            <a:pPr algn="ctr"/>
+            <a:endParaRPr lang="en-US"/>
+          </a:p>
+        </p:txBody>
+      </p:sp>
+      <p:sp>
+        <p:nvSpPr>
+          <p:cNvPr id="31" name="TextBox 30"/>
+          <p:cNvSpPr txBox="1"/>
+          <p:nvPr/>
+        </p:nvSpPr>
+        <p:spPr>
+          <a:xfrm>
+            <a:off x="3703133" y="4419600"/>
+            <a:ext cx="945067" cy="646331"/>
+          </a:xfrm>
+          <a:prstGeom prst="rect">
+            <a:avLst/>
+          </a:prstGeom>
+          <a:noFill/>
+        </p:spPr>
+        <p:txBody>
+          <a:bodyPr wrap="none" rtlCol="0">
+            <a:spAutoFit/>
+          </a:bodyPr>
+          <a:lstStyle/>
+          <a:p>
+            <a:pPr algn="ctr"/>
+            <a:r>
+              <a:rPr lang="en-US" dirty="0" smtClean="0">
+                <a:solidFill>
+                  <a:schemeClr val="tx1">
+                    <a:lumMod val="50000"/>
+                    <a:lumOff val="50000"/>
+                  </a:schemeClr>
+                </a:solidFill>
+              </a:rPr>
+              <a:t>Internet</a:t>
+            </a:r>
+          </a:p>
+          <a:p>
+            <a:pPr algn="ctr"/>
+            <a:r>
+              <a:rPr lang="en-US" dirty="0" smtClean="0">
+                <a:solidFill>
+                  <a:schemeClr val="tx1">
+                    <a:lumMod val="50000"/>
+                    <a:lumOff val="50000"/>
+                  </a:schemeClr>
+                </a:solidFill>
+              </a:rPr>
+              <a:t>Ajax</a:t>
+            </a:r>
+            <a:endParaRPr lang="en-US" dirty="0">
+              <a:solidFill>
+                <a:schemeClr val="tx1">
+                  <a:lumMod val="50000"/>
+                  <a:lumOff val="50000"/>
+                </a:schemeClr>
+              </a:solidFill>
+            </a:endParaRPr>
+          </a:p>
+        </p:txBody>
+      </p:sp>
+    </p:spTree>
+  </p:cSld>
+  <p:clrMapOvr>
+    <a:masterClrMapping/>
+  </p:clrMapOvr>
+  <p:timing>
+    <p:tnLst>
+      <p:par>
+        <p:cTn id="1" dur="indefinite" restart="never" nodeType="tmRoot"/>
+      </p:par>
+    </p:tnLst>
+  </p:timing>
+</p:sld>
+</file>
+
+<file path=ppt/slides/slide7.xml><?xml version="1.0" encoding="utf-8"?>
 <p:sld xmlns:a="http://schemas.openxmlformats.org/drawingml/2006/main" xmlns:r="http://schemas.openxmlformats.org/officeDocument/2006/relationships" xmlns:p="http://schemas.openxmlformats.org/presentationml/2006/main">
   <p:cSld>
     <p:spTree>
